--- a/HLA.pptx
+++ b/HLA.pptx
@@ -104,6 +104,11 @@
       </a:defRPr>
     </a:lvl9pPr>
   </p:defaultTextStyle>
+  <p:extLst>
+    <p:ext uri="{EFAFB233-063F-42B5-8137-9DF3F51BA10A}">
+      <p15:sldGuideLst xmlns:p15="http://schemas.microsoft.com/office/powerpoint/2012/main"/>
+    </p:ext>
+  </p:extLst>
 </p:presentation>
 </file>
 
@@ -238,7 +243,7 @@
           <a:p>
             <a:fld id="{97BF03EA-ED73-442E-BA34-2E68716902A8}" type="datetimeFigureOut">
               <a:rPr lang="en-US" smtClean="0"/>
-              <a:t>7/23/2019</a:t>
+              <a:t>7/26/2019</a:t>
             </a:fld>
             <a:endParaRPr lang="en-US"/>
           </a:p>
@@ -408,7 +413,7 @@
           <a:p>
             <a:fld id="{97BF03EA-ED73-442E-BA34-2E68716902A8}" type="datetimeFigureOut">
               <a:rPr lang="en-US" smtClean="0"/>
-              <a:t>7/23/2019</a:t>
+              <a:t>7/26/2019</a:t>
             </a:fld>
             <a:endParaRPr lang="en-US"/>
           </a:p>
@@ -588,7 +593,7 @@
           <a:p>
             <a:fld id="{97BF03EA-ED73-442E-BA34-2E68716902A8}" type="datetimeFigureOut">
               <a:rPr lang="en-US" smtClean="0"/>
-              <a:t>7/23/2019</a:t>
+              <a:t>7/26/2019</a:t>
             </a:fld>
             <a:endParaRPr lang="en-US"/>
           </a:p>
@@ -758,7 +763,7 @@
           <a:p>
             <a:fld id="{97BF03EA-ED73-442E-BA34-2E68716902A8}" type="datetimeFigureOut">
               <a:rPr lang="en-US" smtClean="0"/>
-              <a:t>7/23/2019</a:t>
+              <a:t>7/26/2019</a:t>
             </a:fld>
             <a:endParaRPr lang="en-US"/>
           </a:p>
@@ -1004,7 +1009,7 @@
           <a:p>
             <a:fld id="{97BF03EA-ED73-442E-BA34-2E68716902A8}" type="datetimeFigureOut">
               <a:rPr lang="en-US" smtClean="0"/>
-              <a:t>7/23/2019</a:t>
+              <a:t>7/26/2019</a:t>
             </a:fld>
             <a:endParaRPr lang="en-US"/>
           </a:p>
@@ -1236,7 +1241,7 @@
           <a:p>
             <a:fld id="{97BF03EA-ED73-442E-BA34-2E68716902A8}" type="datetimeFigureOut">
               <a:rPr lang="en-US" smtClean="0"/>
-              <a:t>7/23/2019</a:t>
+              <a:t>7/26/2019</a:t>
             </a:fld>
             <a:endParaRPr lang="en-US"/>
           </a:p>
@@ -1603,7 +1608,7 @@
           <a:p>
             <a:fld id="{97BF03EA-ED73-442E-BA34-2E68716902A8}" type="datetimeFigureOut">
               <a:rPr lang="en-US" smtClean="0"/>
-              <a:t>7/23/2019</a:t>
+              <a:t>7/26/2019</a:t>
             </a:fld>
             <a:endParaRPr lang="en-US"/>
           </a:p>
@@ -1721,7 +1726,7 @@
           <a:p>
             <a:fld id="{97BF03EA-ED73-442E-BA34-2E68716902A8}" type="datetimeFigureOut">
               <a:rPr lang="en-US" smtClean="0"/>
-              <a:t>7/23/2019</a:t>
+              <a:t>7/26/2019</a:t>
             </a:fld>
             <a:endParaRPr lang="en-US"/>
           </a:p>
@@ -1816,7 +1821,7 @@
           <a:p>
             <a:fld id="{97BF03EA-ED73-442E-BA34-2E68716902A8}" type="datetimeFigureOut">
               <a:rPr lang="en-US" smtClean="0"/>
-              <a:t>7/23/2019</a:t>
+              <a:t>7/26/2019</a:t>
             </a:fld>
             <a:endParaRPr lang="en-US"/>
           </a:p>
@@ -2093,7 +2098,7 @@
           <a:p>
             <a:fld id="{97BF03EA-ED73-442E-BA34-2E68716902A8}" type="datetimeFigureOut">
               <a:rPr lang="en-US" smtClean="0"/>
-              <a:t>7/23/2019</a:t>
+              <a:t>7/26/2019</a:t>
             </a:fld>
             <a:endParaRPr lang="en-US"/>
           </a:p>
@@ -2346,7 +2351,7 @@
           <a:p>
             <a:fld id="{97BF03EA-ED73-442E-BA34-2E68716902A8}" type="datetimeFigureOut">
               <a:rPr lang="en-US" smtClean="0"/>
-              <a:t>7/23/2019</a:t>
+              <a:t>7/26/2019</a:t>
             </a:fld>
             <a:endParaRPr lang="en-US"/>
           </a:p>
@@ -2559,7 +2564,7 @@
           <a:p>
             <a:fld id="{97BF03EA-ED73-442E-BA34-2E68716902A8}" type="datetimeFigureOut">
               <a:rPr lang="en-US" smtClean="0"/>
-              <a:t>7/23/2019</a:t>
+              <a:t>7/26/2019</a:t>
             </a:fld>
             <a:endParaRPr lang="en-US"/>
           </a:p>
@@ -3093,8 +3098,8 @@
         </p:blipFill>
         <p:spPr>
           <a:xfrm>
-            <a:off x="4551000" y="2921864"/>
-            <a:ext cx="1284754" cy="1277753"/>
+            <a:off x="4242200" y="3079139"/>
+            <a:ext cx="1075838" cy="1069975"/>
           </a:xfrm>
           <a:prstGeom prst="rect">
             <a:avLst/>
@@ -3151,7 +3156,7 @@
         <p:spPr>
           <a:xfrm>
             <a:off x="3607325" y="3581799"/>
-            <a:ext cx="939944" cy="1"/>
+            <a:ext cx="670761" cy="15635"/>
           </a:xfrm>
           <a:prstGeom prst="straightConnector1">
             <a:avLst/>
@@ -3262,8 +3267,8 @@
         </p:nvSpPr>
         <p:spPr>
           <a:xfrm>
-            <a:off x="4620746" y="4126230"/>
-            <a:ext cx="1551454" cy="646331"/>
+            <a:off x="4174431" y="4126230"/>
+            <a:ext cx="1551454" cy="430887"/>
           </a:xfrm>
           <a:prstGeom prst="rect">
             <a:avLst/>
@@ -3278,10 +3283,10 @@
           <a:p>
             <a:pPr algn="ctr"/>
             <a:r>
-              <a:rPr lang="en-US" sz="1200" dirty="0" smtClean="0"/>
+              <a:rPr lang="en-US" sz="1100" dirty="0" smtClean="0"/>
               <a:t>Time-triggered Lambda consumer (hourly)</a:t>
             </a:r>
-            <a:endParaRPr lang="en-US" sz="1200" dirty="0"/>
+            <a:endParaRPr lang="en-US" sz="1100" dirty="0"/>
           </a:p>
         </p:txBody>
       </p:sp>
@@ -3307,8 +3312,8 @@
         </p:blipFill>
         <p:spPr>
           <a:xfrm>
-            <a:off x="6183631" y="2328569"/>
-            <a:ext cx="2506460" cy="2506460"/>
+            <a:off x="5385807" y="2491590"/>
+            <a:ext cx="2312124" cy="2312124"/>
           </a:xfrm>
           <a:prstGeom prst="rect">
             <a:avLst/>
@@ -3323,8 +3328,8 @@
         </p:nvSpPr>
         <p:spPr>
           <a:xfrm>
-            <a:off x="6743700" y="4449395"/>
-            <a:ext cx="1600200" cy="276999"/>
+            <a:off x="5785757" y="4449395"/>
+            <a:ext cx="1600200" cy="261610"/>
           </a:xfrm>
           <a:prstGeom prst="rect">
             <a:avLst/>
@@ -3339,25 +3344,23 @@
           <a:p>
             <a:pPr algn="ctr"/>
             <a:r>
-              <a:rPr lang="en-US" sz="1200" dirty="0" smtClean="0"/>
+              <a:rPr lang="en-US" sz="1100" dirty="0" smtClean="0"/>
               <a:t>AWS Redshift cluster</a:t>
             </a:r>
-            <a:endParaRPr lang="en-US" sz="1200" dirty="0"/>
+            <a:endParaRPr lang="en-US" sz="1100" dirty="0"/>
           </a:p>
         </p:txBody>
       </p:sp>
       <p:cxnSp>
         <p:nvCxnSpPr>
           <p:cNvPr id="19" name="Straight Arrow Connector 18"/>
-          <p:cNvCxnSpPr>
-            <a:stCxn id="8" idx="3"/>
-          </p:cNvCxnSpPr>
+          <p:cNvCxnSpPr/>
           <p:nvPr/>
         </p:nvCxnSpPr>
         <p:spPr>
           <a:xfrm>
-            <a:off x="5835754" y="3560741"/>
-            <a:ext cx="805076" cy="0"/>
+            <a:off x="5318216" y="3624970"/>
+            <a:ext cx="549877" cy="0"/>
           </a:xfrm>
           <a:prstGeom prst="straightConnector1">
             <a:avLst/>
@@ -3390,7 +3393,7 @@
           <p:nvPr/>
         </p:nvPicPr>
         <p:blipFill>
-          <a:blip r:embed="rId3" cstate="print">
+          <a:blip r:embed="rId6" cstate="print">
             <a:extLst>
               <a:ext uri="{28A0092B-C50C-407E-A947-70E740481C1C}">
                 <a14:useLocalDpi xmlns:a14="http://schemas.microsoft.com/office/drawing/2010/main" val="0"/>
@@ -3403,8 +3406,8 @@
         </p:blipFill>
         <p:spPr>
           <a:xfrm>
-            <a:off x="8870528" y="2995251"/>
-            <a:ext cx="1249893" cy="1204366"/>
+            <a:off x="7928695" y="3150701"/>
+            <a:ext cx="855709" cy="840424"/>
           </a:xfrm>
           <a:prstGeom prst="rect">
             <a:avLst/>
@@ -3419,8 +3422,8 @@
         </p:nvSpPr>
         <p:spPr>
           <a:xfrm>
-            <a:off x="8880421" y="4209365"/>
-            <a:ext cx="1223699" cy="600164"/>
+            <a:off x="7824504" y="4035191"/>
+            <a:ext cx="1223699" cy="769441"/>
           </a:xfrm>
           <a:prstGeom prst="rect">
             <a:avLst/>
@@ -3435,8 +3438,27 @@
           <a:p>
             <a:pPr algn="ctr"/>
             <a:r>
+              <a:rPr lang="en-US" sz="1100" dirty="0" err="1" smtClean="0"/>
+              <a:t>GetApartments</a:t>
+            </a:r>
+            <a:r>
               <a:rPr lang="en-US" sz="1100" dirty="0" smtClean="0"/>
-              <a:t>Lambda service API (HTTP GET/POST)</a:t>
+              <a:t> (</a:t>
+            </a:r>
+            <a:r>
+              <a:rPr lang="en-US" sz="1100" dirty="0" err="1" smtClean="0"/>
+              <a:t>LambdaFunction</a:t>
+            </a:r>
+            <a:r>
+              <a:rPr lang="en-US" sz="1100" dirty="0" smtClean="0"/>
+              <a:t>)</a:t>
+            </a:r>
+          </a:p>
+          <a:p>
+            <a:pPr algn="ctr"/>
+            <a:r>
+              <a:rPr lang="en-US" sz="1100" dirty="0" smtClean="0"/>
+              <a:t>Invoked by HTTP Proxy API</a:t>
             </a:r>
             <a:endParaRPr lang="en-US" sz="1100" dirty="0"/>
           </a:p>
@@ -3451,7 +3473,7 @@
           <p:nvPr/>
         </p:nvPicPr>
         <p:blipFill>
-          <a:blip r:embed="rId6">
+          <a:blip r:embed="rId7">
             <a:extLst>
               <a:ext uri="{28A0092B-C50C-407E-A947-70E740481C1C}">
                 <a14:useLocalDpi xmlns:a14="http://schemas.microsoft.com/office/drawing/2010/main" val="0"/>
@@ -3481,7 +3503,7 @@
           <p:nvPr/>
         </p:nvPicPr>
         <p:blipFill>
-          <a:blip r:embed="rId6">
+          <a:blip r:embed="rId7">
             <a:extLst>
               <a:ext uri="{28A0092B-C50C-407E-A947-70E740481C1C}">
                 <a14:useLocalDpi xmlns:a14="http://schemas.microsoft.com/office/drawing/2010/main" val="0"/>
@@ -3511,7 +3533,7 @@
           <p:nvPr/>
         </p:nvPicPr>
         <p:blipFill>
-          <a:blip r:embed="rId6">
+          <a:blip r:embed="rId7">
             <a:extLst>
               <a:ext uri="{28A0092B-C50C-407E-A947-70E740481C1C}">
                 <a14:useLocalDpi xmlns:a14="http://schemas.microsoft.com/office/drawing/2010/main" val="0"/>
@@ -3540,8 +3562,8 @@
         </p:nvCxnSpPr>
         <p:spPr>
           <a:xfrm flipV="1">
-            <a:off x="10081542" y="2148840"/>
-            <a:ext cx="767078" cy="834263"/>
+            <a:off x="10081542" y="2148841"/>
+            <a:ext cx="767078" cy="1001860"/>
           </a:xfrm>
           <a:prstGeom prst="straightConnector1">
             <a:avLst/>
@@ -3570,14 +3592,15 @@
         <p:nvCxnSpPr>
           <p:cNvPr id="31" name="Straight Arrow Connector 30"/>
           <p:cNvCxnSpPr>
+            <a:stCxn id="20" idx="3"/>
             <a:endCxn id="24" idx="1"/>
           </p:cNvCxnSpPr>
           <p:nvPr/>
         </p:nvCxnSpPr>
         <p:spPr>
           <a:xfrm>
-            <a:off x="10120421" y="3512027"/>
-            <a:ext cx="779979" cy="1"/>
+            <a:off x="10143384" y="3494975"/>
+            <a:ext cx="757016" cy="17053"/>
           </a:xfrm>
           <a:prstGeom prst="straightConnector1">
             <a:avLst/>
@@ -3610,8 +3633,8 @@
         </p:nvCxnSpPr>
         <p:spPr>
           <a:xfrm>
-            <a:off x="10081542" y="4126230"/>
-            <a:ext cx="767078" cy="857250"/>
+            <a:off x="9960679" y="3912419"/>
+            <a:ext cx="887941" cy="1071061"/>
           </a:xfrm>
           <a:prstGeom prst="straightConnector1">
             <a:avLst/>
@@ -3639,14 +3662,12 @@
       <p:cxnSp>
         <p:nvCxnSpPr>
           <p:cNvPr id="35" name="Straight Arrow Connector 34"/>
-          <p:cNvCxnSpPr>
-            <a:endCxn id="22" idx="1"/>
-          </p:cNvCxnSpPr>
+          <p:cNvCxnSpPr/>
           <p:nvPr/>
         </p:nvCxnSpPr>
         <p:spPr>
           <a:xfrm>
-            <a:off x="8252460" y="3597434"/>
+            <a:off x="7321726" y="3597434"/>
             <a:ext cx="618068" cy="0"/>
           </a:xfrm>
           <a:prstGeom prst="straightConnector1">
@@ -3703,6 +3724,194 @@
           </a:p>
         </p:txBody>
       </p:sp>
+      <p:pic>
+        <p:nvPicPr>
+          <p:cNvPr id="20" name="Picture 19"/>
+          <p:cNvPicPr>
+            <a:picLocks noChangeAspect="1"/>
+          </p:cNvPicPr>
+          <p:nvPr/>
+        </p:nvPicPr>
+        <p:blipFill>
+          <a:blip r:embed="rId8" cstate="print">
+            <a:extLst>
+              <a:ext uri="{28A0092B-C50C-407E-A947-70E740481C1C}">
+                <a14:useLocalDpi xmlns:a14="http://schemas.microsoft.com/office/drawing/2010/main" val="0"/>
+              </a:ext>
+            </a:extLst>
+          </a:blip>
+          <a:stretch>
+            <a:fillRect/>
+          </a:stretch>
+        </p:blipFill>
+        <p:spPr>
+          <a:xfrm>
+            <a:off x="9124360" y="2840835"/>
+            <a:ext cx="1019024" cy="1308279"/>
+          </a:xfrm>
+          <a:prstGeom prst="rect">
+            <a:avLst/>
+          </a:prstGeom>
+        </p:spPr>
+      </p:pic>
+      <p:sp>
+        <p:nvSpPr>
+          <p:cNvPr id="30" name="TextBox 29"/>
+          <p:cNvSpPr txBox="1"/>
+          <p:nvPr/>
+        </p:nvSpPr>
+        <p:spPr>
+          <a:xfrm>
+            <a:off x="9262785" y="3912419"/>
+            <a:ext cx="775213" cy="430887"/>
+          </a:xfrm>
+          <a:prstGeom prst="rect">
+            <a:avLst/>
+          </a:prstGeom>
+          <a:noFill/>
+        </p:spPr>
+        <p:txBody>
+          <a:bodyPr wrap="square" rtlCol="0">
+            <a:spAutoFit/>
+          </a:bodyPr>
+          <a:lstStyle/>
+          <a:p>
+            <a:pPr algn="ctr"/>
+            <a:r>
+              <a:rPr lang="en-US" sz="1100" dirty="0" smtClean="0"/>
+              <a:t>Lambda Proxy API</a:t>
+            </a:r>
+            <a:endParaRPr lang="en-US" sz="1100" dirty="0"/>
+          </a:p>
+        </p:txBody>
+      </p:sp>
+      <p:sp>
+        <p:nvSpPr>
+          <p:cNvPr id="32" name="TextBox 31"/>
+          <p:cNvSpPr txBox="1"/>
+          <p:nvPr/>
+        </p:nvSpPr>
+        <p:spPr>
+          <a:xfrm rot="18529703">
+            <a:off x="9925095" y="2601367"/>
+            <a:ext cx="821365" cy="400110"/>
+          </a:xfrm>
+          <a:prstGeom prst="rect">
+            <a:avLst/>
+          </a:prstGeom>
+          <a:noFill/>
+        </p:spPr>
+        <p:txBody>
+          <a:bodyPr wrap="square" rtlCol="0">
+            <a:spAutoFit/>
+          </a:bodyPr>
+          <a:lstStyle/>
+          <a:p>
+            <a:pPr algn="ctr"/>
+            <a:r>
+              <a:rPr lang="en-US" sz="1000" dirty="0" smtClean="0"/>
+              <a:t>HTTP get/post</a:t>
+            </a:r>
+            <a:endParaRPr lang="en-US" sz="1000" dirty="0"/>
+          </a:p>
+        </p:txBody>
+      </p:sp>
+      <p:sp>
+        <p:nvSpPr>
+          <p:cNvPr id="38" name="TextBox 37"/>
+          <p:cNvSpPr txBox="1"/>
+          <p:nvPr/>
+        </p:nvSpPr>
+        <p:spPr>
+          <a:xfrm>
+            <a:off x="10077495" y="3319823"/>
+            <a:ext cx="821365" cy="400110"/>
+          </a:xfrm>
+          <a:prstGeom prst="rect">
+            <a:avLst/>
+          </a:prstGeom>
+          <a:noFill/>
+        </p:spPr>
+        <p:txBody>
+          <a:bodyPr wrap="square" rtlCol="0">
+            <a:spAutoFit/>
+          </a:bodyPr>
+          <a:lstStyle/>
+          <a:p>
+            <a:pPr algn="ctr"/>
+            <a:r>
+              <a:rPr lang="en-US" sz="1000" dirty="0" smtClean="0"/>
+              <a:t>HTTP get/post</a:t>
+            </a:r>
+            <a:endParaRPr lang="en-US" sz="1000" dirty="0"/>
+          </a:p>
+        </p:txBody>
+      </p:sp>
+      <p:sp>
+        <p:nvSpPr>
+          <p:cNvPr id="39" name="TextBox 38"/>
+          <p:cNvSpPr txBox="1"/>
+          <p:nvPr/>
+        </p:nvSpPr>
+        <p:spPr>
+          <a:xfrm rot="2993045">
+            <a:off x="9925091" y="4136251"/>
+            <a:ext cx="821365" cy="400110"/>
+          </a:xfrm>
+          <a:prstGeom prst="rect">
+            <a:avLst/>
+          </a:prstGeom>
+          <a:noFill/>
+        </p:spPr>
+        <p:txBody>
+          <a:bodyPr wrap="square" rtlCol="0">
+            <a:spAutoFit/>
+          </a:bodyPr>
+          <a:lstStyle/>
+          <a:p>
+            <a:pPr algn="ctr"/>
+            <a:r>
+              <a:rPr lang="en-US" sz="1000" dirty="0" smtClean="0"/>
+              <a:t>HTTP get/post</a:t>
+            </a:r>
+            <a:endParaRPr lang="en-US" sz="1000" dirty="0"/>
+          </a:p>
+        </p:txBody>
+      </p:sp>
+      <p:cxnSp>
+        <p:nvCxnSpPr>
+          <p:cNvPr id="40" name="Straight Arrow Connector 39"/>
+          <p:cNvCxnSpPr/>
+          <p:nvPr/>
+        </p:nvCxnSpPr>
+        <p:spPr>
+          <a:xfrm flipV="1">
+            <a:off x="8773518" y="3560741"/>
+            <a:ext cx="478381" cy="10172"/>
+          </a:xfrm>
+          <a:prstGeom prst="straightConnector1">
+            <a:avLst/>
+          </a:prstGeom>
+          <a:ln>
+            <a:headEnd type="triangle"/>
+            <a:tailEnd type="triangle"/>
+          </a:ln>
+        </p:spPr>
+        <p:style>
+          <a:lnRef idx="1">
+            <a:schemeClr val="accent1"/>
+          </a:lnRef>
+          <a:fillRef idx="0">
+            <a:schemeClr val="accent1"/>
+          </a:fillRef>
+          <a:effectRef idx="0">
+            <a:schemeClr val="accent1"/>
+          </a:effectRef>
+          <a:fontRef idx="minor">
+            <a:schemeClr val="tx1"/>
+          </a:fontRef>
+        </p:style>
+      </p:cxnSp>
     </p:spTree>
     <p:extLst>
       <p:ext uri="{BB962C8B-B14F-4D97-AF65-F5344CB8AC3E}">
